--- a/slides/Online/2020/12 - More Methods.pptx
+++ b/slides/Online/2020/12 - More Methods.pptx
@@ -220,7 +220,7 @@
           <a:p>
             <a:fld id="{4D7E51A5-B478-1E40-8CBB-0DAA8831E99D}" type="datetimeFigureOut">
               <a:rPr lang="en-US" smtClean="0"/>
-              <a:t>3/17/20</a:t>
+              <a:t>4/11/20</a:t>
             </a:fld>
             <a:endParaRPr lang="en-US"/>
           </a:p>
@@ -385,7 +385,7 @@
           <a:p>
             <a:fld id="{D0ED587F-861E-6740-9643-E3DDAE89B8D6}" type="datetimeFigureOut">
               <a:rPr lang="en-US" smtClean="0"/>
-              <a:t>3/17/20</a:t>
+              <a:t>4/11/20</a:t>
             </a:fld>
             <a:endParaRPr lang="en-US"/>
           </a:p>
@@ -4278,8 +4278,8 @@
         </p:blipFill>
         <p:spPr>
           <a:xfrm>
-            <a:off x="9827882" y="6733969"/>
-            <a:ext cx="3520440" cy="787424"/>
+            <a:off x="10377557" y="6663305"/>
+            <a:ext cx="3306251" cy="739516"/>
           </a:xfrm>
           <a:prstGeom prst="rect">
             <a:avLst/>
@@ -4300,7 +4300,7 @@
         </p:nvSpPr>
         <p:spPr>
           <a:xfrm>
-            <a:off x="10549054" y="7264322"/>
+            <a:off x="11022582" y="7145451"/>
             <a:ext cx="2497873" cy="276999"/>
           </a:xfrm>
           <a:prstGeom prst="rect">
@@ -4339,8 +4339,8 @@
         </p:nvSpPr>
         <p:spPr>
           <a:xfrm>
-            <a:off x="9287446" y="7508206"/>
-            <a:ext cx="4601311" cy="246221"/>
+            <a:off x="10377557" y="7508206"/>
+            <a:ext cx="3511200" cy="215444"/>
           </a:xfrm>
           <a:prstGeom prst="rect">
             <a:avLst/>
@@ -4361,7 +4361,7 @@
               </a:spcAft>
             </a:pPr>
             <a:r>
-              <a:rPr lang="en-US" sz="1000" b="0" i="0" u="none" strike="noStrike" dirty="0">
+              <a:rPr lang="en-US" sz="800" b="0" i="0" u="none" strike="noStrike" dirty="0">
                 <a:solidFill>
                   <a:srgbClr val="7F7F7F"/>
                 </a:solidFill>
@@ -4371,7 +4371,7 @@
               <a:t>Slides Originally Created by Albert Lionelle (</a:t>
             </a:r>
             <a:r>
-              <a:rPr lang="en-US" sz="1000" b="0" i="0" u="none" strike="noStrike" dirty="0" err="1">
+              <a:rPr lang="en-US" sz="800" b="0" i="0" u="none" strike="noStrike" dirty="0" err="1">
                 <a:solidFill>
                   <a:srgbClr val="7F7F7F"/>
                 </a:solidFill>
@@ -4381,7 +4381,7 @@
               <a:t>Albert.Lionelle@colostate.edu</a:t>
             </a:r>
             <a:r>
-              <a:rPr lang="en-US" sz="1000" b="0" i="0" u="none" strike="noStrike" dirty="0">
+              <a:rPr lang="en-US" sz="800" b="0" i="0" u="none" strike="noStrike" dirty="0">
                 <a:solidFill>
                   <a:srgbClr val="7F7F7F"/>
                 </a:solidFill>
@@ -4390,7 +4390,7 @@
               </a:rPr>
               <a:t>)</a:t>
             </a:r>
-            <a:endParaRPr lang="en-US" sz="1000" b="0" dirty="0">
+            <a:endParaRPr lang="en-US" sz="800" b="0" dirty="0">
               <a:solidFill>
                 <a:srgbClr val="7F7F7F"/>
               </a:solidFill>
@@ -6904,7 +6904,7 @@
         <p:spPr>
           <a:xfrm>
             <a:off x="7608712" y="2318548"/>
-            <a:ext cx="5192888" cy="3582006"/>
+            <a:ext cx="5192888" cy="3209597"/>
           </a:xfrm>
           <a:prstGeom prst="rect">
             <a:avLst/>
@@ -7083,23 +7083,6 @@
                 <a:cs typeface="Microsoft Sans Serif" panose="020B0604020202020204" pitchFamily="34" charset="0"/>
               </a:rPr>
               <a:t>Parameters are part of the name</a:t>
-            </a:r>
-          </a:p>
-          <a:p>
-            <a:pPr lvl="1" fontAlgn="base"/>
-            <a:r>
-              <a:rPr lang="en-US" dirty="0" err="1">
-                <a:latin typeface="Consolas" panose="020B0609020204030204" pitchFamily="49" charset="0"/>
-                <a:cs typeface="Consolas" panose="020B0609020204030204" pitchFamily="49" charset="0"/>
-              </a:rPr>
-              <a:t>getArea</a:t>
-            </a:r>
-            <a:r>
-              <a:rPr lang="en-US" dirty="0">
-                <a:latin typeface="Consolas" panose="020B0609020204030204" pitchFamily="49" charset="0"/>
-                <a:cs typeface="Consolas" panose="020B0609020204030204" pitchFamily="49" charset="0"/>
-              </a:rPr>
-              <a:t>()</a:t>
             </a:r>
           </a:p>
           <a:p>
@@ -7290,7 +7273,7 @@
         </p:nvSpPr>
         <p:spPr>
           <a:xfrm>
-            <a:off x="6908800" y="1776683"/>
+            <a:off x="751665" y="5283887"/>
             <a:ext cx="6280728" cy="2084930"/>
           </a:xfrm>
         </p:spPr>
@@ -7406,7 +7389,7 @@
         </p:blipFill>
         <p:spPr bwMode="auto">
           <a:xfrm>
-            <a:off x="628073" y="4150248"/>
+            <a:off x="628073" y="4003532"/>
             <a:ext cx="6073252" cy="1287929"/>
           </a:xfrm>
           <a:prstGeom prst="rect">
@@ -7438,7 +7421,7 @@
         </p:nvSpPr>
         <p:spPr>
           <a:xfrm>
-            <a:off x="8043863" y="4150248"/>
+            <a:off x="8331777" y="1762723"/>
             <a:ext cx="1943100" cy="893240"/>
           </a:xfrm>
           <a:prstGeom prst="rect">
@@ -7496,7 +7479,7 @@
         </p:nvSpPr>
         <p:spPr>
           <a:xfrm>
-            <a:off x="8043863" y="5693856"/>
+            <a:off x="8331777" y="3306331"/>
             <a:ext cx="1943100" cy="893240"/>
           </a:xfrm>
           <a:prstGeom prst="rect">
@@ -7554,7 +7537,7 @@
         </p:nvSpPr>
         <p:spPr>
           <a:xfrm>
-            <a:off x="10958513" y="5693856"/>
+            <a:off x="11246427" y="3306331"/>
             <a:ext cx="1943100" cy="893240"/>
           </a:xfrm>
           <a:prstGeom prst="rect">
@@ -7615,7 +7598,7 @@
         </p:nvCxnSpPr>
         <p:spPr>
           <a:xfrm>
-            <a:off x="9015413" y="5043488"/>
+            <a:off x="9303327" y="2655963"/>
             <a:ext cx="0" cy="650368"/>
           </a:xfrm>
           <a:prstGeom prst="straightConnector1">
@@ -7654,7 +7637,7 @@
         </p:nvSpPr>
         <p:spPr>
           <a:xfrm>
-            <a:off x="9015413" y="5168617"/>
+            <a:off x="9303327" y="2781092"/>
             <a:ext cx="470000" cy="400110"/>
           </a:xfrm>
           <a:prstGeom prst="rect">
@@ -7692,7 +7675,7 @@
         </p:nvCxnSpPr>
         <p:spPr>
           <a:xfrm rot="16200000" flipH="1">
-            <a:off x="10472738" y="5129771"/>
+            <a:off x="10760652" y="2742246"/>
             <a:ext cx="12700" cy="2914650"/>
           </a:xfrm>
           <a:prstGeom prst="bentConnector3">
@@ -7733,7 +7716,7 @@
         </p:nvSpPr>
         <p:spPr>
           <a:xfrm>
-            <a:off x="9844088" y="6972300"/>
+            <a:off x="10132002" y="4584775"/>
             <a:ext cx="1514475" cy="400110"/>
           </a:xfrm>
           <a:prstGeom prst="rect">
@@ -7771,7 +7754,7 @@
         </p:nvCxnSpPr>
         <p:spPr>
           <a:xfrm rot="16200000" flipH="1" flipV="1">
-            <a:off x="10735203" y="4945616"/>
+            <a:off x="11023117" y="2558091"/>
             <a:ext cx="446620" cy="1943100"/>
           </a:xfrm>
           <a:prstGeom prst="bentConnector4">
@@ -7813,7 +7796,7 @@
         </p:nvSpPr>
         <p:spPr>
           <a:xfrm>
-            <a:off x="10093040" y="5038067"/>
+            <a:off x="10380954" y="2650542"/>
             <a:ext cx="2208012" cy="400110"/>
           </a:xfrm>
           <a:prstGeom prst="rect">
@@ -7851,7 +7834,7 @@
         </p:nvCxnSpPr>
         <p:spPr>
           <a:xfrm rot="10800000">
-            <a:off x="8043863" y="4596868"/>
+            <a:off x="8331777" y="2209343"/>
             <a:ext cx="12700" cy="1543608"/>
           </a:xfrm>
           <a:prstGeom prst="bentConnector3">
@@ -7892,7 +7875,7 @@
         </p:nvSpPr>
         <p:spPr>
           <a:xfrm rot="16200000">
-            <a:off x="6332229" y="5168617"/>
+            <a:off x="6620143" y="2781092"/>
             <a:ext cx="2208012" cy="400110"/>
           </a:xfrm>
           <a:prstGeom prst="rect">
@@ -7956,7 +7939,7 @@
                             </p:stCondLst>
                             <p:childTnLst>
                               <p:par>
-                                <p:cTn id="5" presetID="9" presetClass="entr" presetSubtype="0" fill="hold" nodeType="clickEffect">
+                                <p:cTn id="5" presetID="9" presetClass="entr" presetSubtype="0" fill="hold" grpId="0" nodeType="clickEffect">
                                   <p:stCondLst>
                                     <p:cond delay="0"/>
                                   </p:stCondLst>
@@ -7964,6 +7947,59 @@
                                     <p:set>
                                       <p:cBhvr>
                                         <p:cTn id="6" dur="1" fill="hold">
+                                          <p:stCondLst>
+                                            <p:cond delay="0"/>
+                                          </p:stCondLst>
+                                        </p:cTn>
+                                        <p:tgtEl>
+                                          <p:spTgt spid="5"/>
+                                        </p:tgtEl>
+                                        <p:attrNameLst>
+                                          <p:attrName>style.visibility</p:attrName>
+                                        </p:attrNameLst>
+                                      </p:cBhvr>
+                                      <p:to>
+                                        <p:strVal val="visible"/>
+                                      </p:to>
+                                    </p:set>
+                                    <p:animEffect transition="in" filter="dissolve">
+                                      <p:cBhvr>
+                                        <p:cTn id="7" dur="500"/>
+                                        <p:tgtEl>
+                                          <p:spTgt spid="5"/>
+                                        </p:tgtEl>
+                                      </p:cBhvr>
+                                    </p:animEffect>
+                                  </p:childTnLst>
+                                </p:cTn>
+                              </p:par>
+                            </p:childTnLst>
+                          </p:cTn>
+                        </p:par>
+                      </p:childTnLst>
+                    </p:cTn>
+                  </p:par>
+                  <p:par>
+                    <p:cTn id="8" fill="hold">
+                      <p:stCondLst>
+                        <p:cond delay="indefinite"/>
+                      </p:stCondLst>
+                      <p:childTnLst>
+                        <p:par>
+                          <p:cTn id="9" fill="hold">
+                            <p:stCondLst>
+                              <p:cond delay="0"/>
+                            </p:stCondLst>
+                            <p:childTnLst>
+                              <p:par>
+                                <p:cTn id="10" presetID="23" presetClass="entr" presetSubtype="16" fill="hold" nodeType="clickEffect">
+                                  <p:stCondLst>
+                                    <p:cond delay="0"/>
+                                  </p:stCondLst>
+                                  <p:childTnLst>
+                                    <p:set>
+                                      <p:cBhvr>
+                                        <p:cTn id="11" dur="1" fill="hold">
                                           <p:stCondLst>
                                             <p:cond delay="0"/>
                                           </p:stCondLst>
@@ -7979,26 +8015,64 @@
                                         <p:strVal val="visible"/>
                                       </p:to>
                                     </p:set>
-                                    <p:animEffect transition="in" filter="dissolve">
+                                    <p:anim calcmode="lin" valueType="num">
                                       <p:cBhvr>
-                                        <p:cTn id="7" dur="500"/>
+                                        <p:cTn id="12" dur="500" fill="hold"/>
                                         <p:tgtEl>
                                           <p:spTgt spid="7"/>
                                         </p:tgtEl>
+                                        <p:attrNameLst>
+                                          <p:attrName>ppt_w</p:attrName>
+                                        </p:attrNameLst>
                                       </p:cBhvr>
-                                    </p:animEffect>
+                                      <p:tavLst>
+                                        <p:tav tm="0">
+                                          <p:val>
+                                            <p:fltVal val="0"/>
+                                          </p:val>
+                                        </p:tav>
+                                        <p:tav tm="100000">
+                                          <p:val>
+                                            <p:strVal val="#ppt_w"/>
+                                          </p:val>
+                                        </p:tav>
+                                      </p:tavLst>
+                                    </p:anim>
+                                    <p:anim calcmode="lin" valueType="num">
+                                      <p:cBhvr>
+                                        <p:cTn id="13" dur="500" fill="hold"/>
+                                        <p:tgtEl>
+                                          <p:spTgt spid="7"/>
+                                        </p:tgtEl>
+                                        <p:attrNameLst>
+                                          <p:attrName>ppt_h</p:attrName>
+                                        </p:attrNameLst>
+                                      </p:cBhvr>
+                                      <p:tavLst>
+                                        <p:tav tm="0">
+                                          <p:val>
+                                            <p:fltVal val="0"/>
+                                          </p:val>
+                                        </p:tav>
+                                        <p:tav tm="100000">
+                                          <p:val>
+                                            <p:strVal val="#ppt_h"/>
+                                          </p:val>
+                                        </p:tav>
+                                      </p:tavLst>
+                                    </p:anim>
                                   </p:childTnLst>
                                 </p:cTn>
                               </p:par>
                               <p:par>
-                                <p:cTn id="8" presetID="9" presetClass="entr" presetSubtype="0" fill="hold" grpId="0" nodeType="withEffect">
+                                <p:cTn id="14" presetID="9" presetClass="entr" presetSubtype="0" fill="hold" grpId="0" nodeType="withEffect">
                                   <p:stCondLst>
                                     <p:cond delay="0"/>
                                   </p:stCondLst>
                                   <p:childTnLst>
                                     <p:set>
                                       <p:cBhvr>
-                                        <p:cTn id="9" dur="1" fill="hold">
+                                        <p:cTn id="15" dur="1" fill="hold">
                                           <p:stCondLst>
                                             <p:cond delay="0"/>
                                           </p:stCondLst>
@@ -8016,9 +8090,44 @@
                                     </p:set>
                                     <p:animEffect transition="in" filter="dissolve">
                                       <p:cBhvr>
-                                        <p:cTn id="10" dur="500"/>
+                                        <p:cTn id="16" dur="500"/>
                                         <p:tgtEl>
                                           <p:spTgt spid="8"/>
+                                        </p:tgtEl>
+                                      </p:cBhvr>
+                                    </p:animEffect>
+                                  </p:childTnLst>
+                                </p:cTn>
+                              </p:par>
+                              <p:par>
+                                <p:cTn id="17" presetID="9" presetClass="entr" presetSubtype="0" fill="hold" grpId="0" nodeType="withEffect">
+                                  <p:stCondLst>
+                                    <p:cond delay="0"/>
+                                  </p:stCondLst>
+                                  <p:childTnLst>
+                                    <p:set>
+                                      <p:cBhvr>
+                                        <p:cTn id="18" dur="1" fill="hold">
+                                          <p:stCondLst>
+                                            <p:cond delay="0"/>
+                                          </p:stCondLst>
+                                        </p:cTn>
+                                        <p:tgtEl>
+                                          <p:spTgt spid="10"/>
+                                        </p:tgtEl>
+                                        <p:attrNameLst>
+                                          <p:attrName>style.visibility</p:attrName>
+                                        </p:attrNameLst>
+                                      </p:cBhvr>
+                                      <p:to>
+                                        <p:strVal val="visible"/>
+                                      </p:to>
+                                    </p:set>
+                                    <p:animEffect transition="in" filter="dissolve">
+                                      <p:cBhvr>
+                                        <p:cTn id="19" dur="500"/>
+                                        <p:tgtEl>
+                                          <p:spTgt spid="10"/>
                                         </p:tgtEl>
                                       </p:cBhvr>
                                     </p:animEffect>
@@ -8032,26 +8141,26 @@
                     </p:cTn>
                   </p:par>
                   <p:par>
-                    <p:cTn id="11" fill="hold">
+                    <p:cTn id="20" fill="hold">
                       <p:stCondLst>
                         <p:cond delay="indefinite"/>
                       </p:stCondLst>
                       <p:childTnLst>
                         <p:par>
-                          <p:cTn id="12" fill="hold">
+                          <p:cTn id="21" fill="hold">
                             <p:stCondLst>
                               <p:cond delay="0"/>
                             </p:stCondLst>
                             <p:childTnLst>
                               <p:par>
-                                <p:cTn id="13" presetID="9" presetClass="entr" presetSubtype="0" fill="hold" grpId="0" nodeType="clickEffect">
+                                <p:cTn id="22" presetID="9" presetClass="entr" presetSubtype="0" fill="hold" grpId="0" nodeType="clickEffect">
                                   <p:stCondLst>
                                     <p:cond delay="0"/>
                                   </p:stCondLst>
                                   <p:childTnLst>
                                     <p:set>
                                       <p:cBhvr>
-                                        <p:cTn id="14" dur="1" fill="hold">
+                                        <p:cTn id="23" dur="1" fill="hold">
                                           <p:stCondLst>
                                             <p:cond delay="0"/>
                                           </p:stCondLst>
@@ -8069,7 +8178,7 @@
                                     </p:set>
                                     <p:animEffect transition="in" filter="dissolve">
                                       <p:cBhvr>
-                                        <p:cTn id="15" dur="500"/>
+                                        <p:cTn id="24" dur="500"/>
                                         <p:tgtEl>
                                           <p:spTgt spid="15"/>
                                         </p:tgtEl>
@@ -8079,14 +8188,49 @@
                                 </p:cTn>
                               </p:par>
                               <p:par>
-                                <p:cTn id="16" presetID="9" presetClass="entr" presetSubtype="0" fill="hold" nodeType="withEffect">
+                                <p:cTn id="25" presetID="9" presetClass="entr" presetSubtype="0" fill="hold" grpId="0" nodeType="withEffect">
                                   <p:stCondLst>
                                     <p:cond delay="0"/>
                                   </p:stCondLst>
                                   <p:childTnLst>
                                     <p:set>
                                       <p:cBhvr>
-                                        <p:cTn id="17" dur="1" fill="hold">
+                                        <p:cTn id="26" dur="1" fill="hold">
+                                          <p:stCondLst>
+                                            <p:cond delay="0"/>
+                                          </p:stCondLst>
+                                        </p:cTn>
+                                        <p:tgtEl>
+                                          <p:spTgt spid="11"/>
+                                        </p:tgtEl>
+                                        <p:attrNameLst>
+                                          <p:attrName>style.visibility</p:attrName>
+                                        </p:attrNameLst>
+                                      </p:cBhvr>
+                                      <p:to>
+                                        <p:strVal val="visible"/>
+                                      </p:to>
+                                    </p:set>
+                                    <p:animEffect transition="in" filter="dissolve">
+                                      <p:cBhvr>
+                                        <p:cTn id="27" dur="500"/>
+                                        <p:tgtEl>
+                                          <p:spTgt spid="11"/>
+                                        </p:tgtEl>
+                                      </p:cBhvr>
+                                    </p:animEffect>
+                                  </p:childTnLst>
+                                </p:cTn>
+                              </p:par>
+                              <p:par>
+                                <p:cTn id="28" presetID="23" presetClass="entr" presetSubtype="16" fill="hold" nodeType="withEffect">
+                                  <p:stCondLst>
+                                    <p:cond delay="0"/>
+                                  </p:stCondLst>
+                                  <p:childTnLst>
+                                    <p:set>
+                                      <p:cBhvr>
+                                        <p:cTn id="29" dur="1" fill="hold">
                                           <p:stCondLst>
                                             <p:cond delay="0"/>
                                           </p:stCondLst>
@@ -8102,14 +8246,52 @@
                                         <p:strVal val="visible"/>
                                       </p:to>
                                     </p:set>
-                                    <p:animEffect transition="in" filter="dissolve">
+                                    <p:anim calcmode="lin" valueType="num">
                                       <p:cBhvr>
-                                        <p:cTn id="18" dur="500"/>
+                                        <p:cTn id="30" dur="500" fill="hold"/>
                                         <p:tgtEl>
                                           <p:spTgt spid="13"/>
                                         </p:tgtEl>
+                                        <p:attrNameLst>
+                                          <p:attrName>ppt_w</p:attrName>
+                                        </p:attrNameLst>
                                       </p:cBhvr>
-                                    </p:animEffect>
+                                      <p:tavLst>
+                                        <p:tav tm="0">
+                                          <p:val>
+                                            <p:fltVal val="0"/>
+                                          </p:val>
+                                        </p:tav>
+                                        <p:tav tm="100000">
+                                          <p:val>
+                                            <p:strVal val="#ppt_w"/>
+                                          </p:val>
+                                        </p:tav>
+                                      </p:tavLst>
+                                    </p:anim>
+                                    <p:anim calcmode="lin" valueType="num">
+                                      <p:cBhvr>
+                                        <p:cTn id="31" dur="500" fill="hold"/>
+                                        <p:tgtEl>
+                                          <p:spTgt spid="13"/>
+                                        </p:tgtEl>
+                                        <p:attrNameLst>
+                                          <p:attrName>ppt_h</p:attrName>
+                                        </p:attrNameLst>
+                                      </p:cBhvr>
+                                      <p:tavLst>
+                                        <p:tav tm="0">
+                                          <p:val>
+                                            <p:fltVal val="0"/>
+                                          </p:val>
+                                        </p:tav>
+                                        <p:tav tm="100000">
+                                          <p:val>
+                                            <p:strVal val="#ppt_h"/>
+                                          </p:val>
+                                        </p:tav>
+                                      </p:tavLst>
+                                    </p:anim>
                                   </p:childTnLst>
                                 </p:cTn>
                               </p:par>
@@ -8120,26 +8302,26 @@
                     </p:cTn>
                   </p:par>
                   <p:par>
-                    <p:cTn id="19" fill="hold">
+                    <p:cTn id="32" fill="hold">
                       <p:stCondLst>
                         <p:cond delay="indefinite"/>
                       </p:stCondLst>
                       <p:childTnLst>
                         <p:par>
-                          <p:cTn id="20" fill="hold">
+                          <p:cTn id="33" fill="hold">
                             <p:stCondLst>
                               <p:cond delay="0"/>
                             </p:stCondLst>
                             <p:childTnLst>
                               <p:par>
-                                <p:cTn id="21" presetID="9" presetClass="entr" presetSubtype="0" fill="hold" nodeType="clickEffect">
+                                <p:cTn id="34" presetID="23" presetClass="entr" presetSubtype="16" fill="hold" nodeType="clickEffect">
                                   <p:stCondLst>
                                     <p:cond delay="0"/>
                                   </p:stCondLst>
                                   <p:childTnLst>
                                     <p:set>
                                       <p:cBhvr>
-                                        <p:cTn id="22" dur="1" fill="hold">
+                                        <p:cTn id="35" dur="1" fill="hold">
                                           <p:stCondLst>
                                             <p:cond delay="0"/>
                                           </p:stCondLst>
@@ -8155,26 +8337,64 @@
                                         <p:strVal val="visible"/>
                                       </p:to>
                                     </p:set>
-                                    <p:animEffect transition="in" filter="dissolve">
+                                    <p:anim calcmode="lin" valueType="num">
                                       <p:cBhvr>
-                                        <p:cTn id="23" dur="500"/>
+                                        <p:cTn id="36" dur="500" fill="hold"/>
                                         <p:tgtEl>
                                           <p:spTgt spid="17"/>
                                         </p:tgtEl>
+                                        <p:attrNameLst>
+                                          <p:attrName>ppt_w</p:attrName>
+                                        </p:attrNameLst>
                                       </p:cBhvr>
-                                    </p:animEffect>
+                                      <p:tavLst>
+                                        <p:tav tm="0">
+                                          <p:val>
+                                            <p:fltVal val="0"/>
+                                          </p:val>
+                                        </p:tav>
+                                        <p:tav tm="100000">
+                                          <p:val>
+                                            <p:strVal val="#ppt_w"/>
+                                          </p:val>
+                                        </p:tav>
+                                      </p:tavLst>
+                                    </p:anim>
+                                    <p:anim calcmode="lin" valueType="num">
+                                      <p:cBhvr>
+                                        <p:cTn id="37" dur="500" fill="hold"/>
+                                        <p:tgtEl>
+                                          <p:spTgt spid="17"/>
+                                        </p:tgtEl>
+                                        <p:attrNameLst>
+                                          <p:attrName>ppt_h</p:attrName>
+                                        </p:attrNameLst>
+                                      </p:cBhvr>
+                                      <p:tavLst>
+                                        <p:tav tm="0">
+                                          <p:val>
+                                            <p:fltVal val="0"/>
+                                          </p:val>
+                                        </p:tav>
+                                        <p:tav tm="100000">
+                                          <p:val>
+                                            <p:strVal val="#ppt_h"/>
+                                          </p:val>
+                                        </p:tav>
+                                      </p:tavLst>
+                                    </p:anim>
                                   </p:childTnLst>
                                 </p:cTn>
                               </p:par>
                               <p:par>
-                                <p:cTn id="24" presetID="9" presetClass="entr" presetSubtype="0" fill="hold" grpId="0" nodeType="withEffect">
+                                <p:cTn id="38" presetID="9" presetClass="entr" presetSubtype="0" fill="hold" grpId="0" nodeType="withEffect">
                                   <p:stCondLst>
                                     <p:cond delay="0"/>
                                   </p:stCondLst>
                                   <p:childTnLst>
                                     <p:set>
                                       <p:cBhvr>
-                                        <p:cTn id="25" dur="1" fill="hold">
+                                        <p:cTn id="39" dur="1" fill="hold">
                                           <p:stCondLst>
                                             <p:cond delay="0"/>
                                           </p:stCondLst>
@@ -8192,7 +8412,7 @@
                                     </p:set>
                                     <p:animEffect transition="in" filter="dissolve">
                                       <p:cBhvr>
-                                        <p:cTn id="26" dur="500"/>
+                                        <p:cTn id="40" dur="500"/>
                                         <p:tgtEl>
                                           <p:spTgt spid="18"/>
                                         </p:tgtEl>
@@ -8208,26 +8428,26 @@
                     </p:cTn>
                   </p:par>
                   <p:par>
-                    <p:cTn id="27" fill="hold">
+                    <p:cTn id="41" fill="hold">
                       <p:stCondLst>
                         <p:cond delay="indefinite"/>
                       </p:stCondLst>
                       <p:childTnLst>
                         <p:par>
-                          <p:cTn id="28" fill="hold">
+                          <p:cTn id="42" fill="hold">
                             <p:stCondLst>
                               <p:cond delay="0"/>
                             </p:stCondLst>
                             <p:childTnLst>
                               <p:par>
-                                <p:cTn id="29" presetID="9" presetClass="entr" presetSubtype="0" fill="hold" grpId="0" nodeType="clickEffect">
+                                <p:cTn id="43" presetID="9" presetClass="entr" presetSubtype="0" fill="hold" grpId="0" nodeType="clickEffect">
                                   <p:stCondLst>
                                     <p:cond delay="0"/>
                                   </p:stCondLst>
                                   <p:childTnLst>
                                     <p:set>
                                       <p:cBhvr>
-                                        <p:cTn id="30" dur="1" fill="hold">
+                                        <p:cTn id="44" dur="1" fill="hold">
                                           <p:stCondLst>
                                             <p:cond delay="0"/>
                                           </p:stCondLst>
@@ -8245,7 +8465,7 @@
                                     </p:set>
                                     <p:animEffect transition="in" filter="dissolve">
                                       <p:cBhvr>
-                                        <p:cTn id="31" dur="500"/>
+                                        <p:cTn id="45" dur="500"/>
                                         <p:tgtEl>
                                           <p:spTgt spid="26"/>
                                         </p:tgtEl>
@@ -8255,14 +8475,14 @@
                                 </p:cTn>
                               </p:par>
                               <p:par>
-                                <p:cTn id="32" presetID="9" presetClass="entr" presetSubtype="0" fill="hold" nodeType="withEffect">
+                                <p:cTn id="46" presetID="23" presetClass="entr" presetSubtype="16" fill="hold" nodeType="withEffect">
                                   <p:stCondLst>
                                     <p:cond delay="0"/>
                                   </p:stCondLst>
                                   <p:childTnLst>
                                     <p:set>
                                       <p:cBhvr>
-                                        <p:cTn id="33" dur="1" fill="hold">
+                                        <p:cTn id="47" dur="1" fill="hold">
                                           <p:stCondLst>
                                             <p:cond delay="0"/>
                                           </p:stCondLst>
@@ -8278,14 +8498,52 @@
                                         <p:strVal val="visible"/>
                                       </p:to>
                                     </p:set>
-                                    <p:animEffect transition="in" filter="dissolve">
+                                    <p:anim calcmode="lin" valueType="num">
                                       <p:cBhvr>
-                                        <p:cTn id="34" dur="500"/>
+                                        <p:cTn id="48" dur="500" fill="hold"/>
                                         <p:tgtEl>
                                           <p:spTgt spid="20"/>
                                         </p:tgtEl>
+                                        <p:attrNameLst>
+                                          <p:attrName>ppt_w</p:attrName>
+                                        </p:attrNameLst>
                                       </p:cBhvr>
-                                    </p:animEffect>
+                                      <p:tavLst>
+                                        <p:tav tm="0">
+                                          <p:val>
+                                            <p:fltVal val="0"/>
+                                          </p:val>
+                                        </p:tav>
+                                        <p:tav tm="100000">
+                                          <p:val>
+                                            <p:strVal val="#ppt_w"/>
+                                          </p:val>
+                                        </p:tav>
+                                      </p:tavLst>
+                                    </p:anim>
+                                    <p:anim calcmode="lin" valueType="num">
+                                      <p:cBhvr>
+                                        <p:cTn id="49" dur="500" fill="hold"/>
+                                        <p:tgtEl>
+                                          <p:spTgt spid="20"/>
+                                        </p:tgtEl>
+                                        <p:attrNameLst>
+                                          <p:attrName>ppt_h</p:attrName>
+                                        </p:attrNameLst>
+                                      </p:cBhvr>
+                                      <p:tavLst>
+                                        <p:tav tm="0">
+                                          <p:val>
+                                            <p:fltVal val="0"/>
+                                          </p:val>
+                                        </p:tav>
+                                        <p:tav tm="100000">
+                                          <p:val>
+                                            <p:strVal val="#ppt_h"/>
+                                          </p:val>
+                                        </p:tav>
+                                      </p:tavLst>
+                                    </p:anim>
                                   </p:childTnLst>
                                 </p:cTn>
                               </p:par>
@@ -8317,6 +8575,9 @@
       </p:par>
     </p:tnLst>
     <p:bldLst>
+      <p:bldP spid="5" grpId="0" animBg="1"/>
+      <p:bldP spid="10" grpId="0" animBg="1"/>
+      <p:bldP spid="11" grpId="0" animBg="1"/>
       <p:bldP spid="8" grpId="0"/>
       <p:bldP spid="15" grpId="0"/>
       <p:bldP spid="18" grpId="0"/>
@@ -8696,7 +8957,7 @@
             <a:pPr lvl="1"/>
             <a:r>
               <a:rPr lang="en-US" dirty="0"/>
-              <a:t>Suggestion us “TESTING:” with all statements, so you don’t accidently leave it in!</a:t>
+              <a:t>Suggestion use “TESTING:” with all statements, so you don’t accidently leave it in!</a:t>
             </a:r>
           </a:p>
           <a:p>
@@ -9042,7 +9303,7 @@
         </p:nvSpPr>
         <p:spPr>
           <a:xfrm>
-            <a:off x="625907" y="3967715"/>
+            <a:off x="628072" y="3571489"/>
             <a:ext cx="9632950" cy="1641475"/>
           </a:xfrm>
           <a:prstGeom prst="rect">
@@ -9208,7 +9469,7 @@
         </p:nvSpPr>
         <p:spPr>
           <a:xfrm>
-            <a:off x="2657475" y="5830135"/>
+            <a:off x="1047616" y="5458311"/>
             <a:ext cx="4251325" cy="1342189"/>
           </a:xfrm>
           <a:prstGeom prst="snip1Rect">

--- a/slides/Online/2020/12 - More Methods.pptx
+++ b/slides/Online/2020/12 - More Methods.pptx
@@ -4278,8 +4278,8 @@
         </p:blipFill>
         <p:spPr>
           <a:xfrm>
-            <a:off x="10377557" y="6663305"/>
-            <a:ext cx="3306251" cy="739516"/>
+            <a:off x="10515600" y="6694181"/>
+            <a:ext cx="3168208" cy="708640"/>
           </a:xfrm>
           <a:prstGeom prst="rect">
             <a:avLst/>
@@ -4300,7 +4300,7 @@
         </p:nvSpPr>
         <p:spPr>
           <a:xfrm>
-            <a:off x="11022582" y="7145451"/>
+            <a:off x="11185935" y="7150197"/>
             <a:ext cx="2497873" cy="276999"/>
           </a:xfrm>
           <a:prstGeom prst="rect">
@@ -4339,7 +4339,7 @@
         </p:nvSpPr>
         <p:spPr>
           <a:xfrm>
-            <a:off x="10377557" y="7508206"/>
+            <a:off x="10487435" y="7517932"/>
             <a:ext cx="3511200" cy="215444"/>
           </a:xfrm>
           <a:prstGeom prst="rect">
